--- a/Présentation1.pptx
+++ b/Présentation1.pptx
@@ -9,6 +9,10 @@
     <p:sldId id="257" r:id="rId3"/>
     <p:sldId id="258" r:id="rId4"/>
     <p:sldId id="259" r:id="rId5"/>
+    <p:sldId id="260" r:id="rId6"/>
+    <p:sldId id="261" r:id="rId7"/>
+    <p:sldId id="262" r:id="rId8"/>
+    <p:sldId id="263" r:id="rId9"/>
   </p:sldIdLst>
   <p:sldSz cx="12192000" cy="6858000"/>
   <p:notesSz cx="6858000" cy="9144000"/>
@@ -107,7 +111,221 @@
       </a:defRPr>
     </a:lvl9pPr>
   </p:defaultTextStyle>
+  <p:extLst>
+    <p:ext uri="{EFAFB233-063F-42B5-8137-9DF3F51BA10A}">
+      <p15:sldGuideLst xmlns:p15="http://schemas.microsoft.com/office/powerpoint/2012/main"/>
+    </p:ext>
+  </p:extLst>
 </p:presentation>
+</file>
+
+<file path=ppt/revisionInfo.xml><?xml version="1.0" encoding="utf-8"?>
+<p1510:revInfo xmlns:a="http://schemas.openxmlformats.org/drawingml/2006/main" xmlns:r="http://schemas.openxmlformats.org/officeDocument/2006/relationships" xmlns:p1510="http://schemas.microsoft.com/office/powerpoint/2015/10/main">
+  <p1510:revLst>
+    <p1510:client id="{A48DBDFD-A96C-4FE8-8A3F-B1457D794CCB}" v="11" dt="2020-11-19T18:43:24.066"/>
+  </p1510:revLst>
+</p1510:revInfo>
+</file>
+
+<file path=ppt/changesInfos/changesInfo1.xml><?xml version="1.0" encoding="utf-8"?>
+<pc:chgInfo xmlns:a="http://schemas.openxmlformats.org/drawingml/2006/main" xmlns:r="http://schemas.openxmlformats.org/officeDocument/2006/relationships" xmlns:ac="http://schemas.microsoft.com/office/drawing/2013/main/command" xmlns:pc="http://schemas.microsoft.com/office/powerpoint/2013/main/command">
+  <pc:docChgLst>
+    <pc:chgData name="Audrey Bony" userId="8e02664a832a3c65" providerId="LiveId" clId="{A48DBDFD-A96C-4FE8-8A3F-B1457D794CCB}"/>
+    <pc:docChg chg="custSel addSld modSld">
+      <pc:chgData name="Audrey Bony" userId="8e02664a832a3c65" providerId="LiveId" clId="{A48DBDFD-A96C-4FE8-8A3F-B1457D794CCB}" dt="2020-11-19T18:43:30.293" v="46" actId="1076"/>
+      <pc:docMkLst>
+        <pc:docMk/>
+      </pc:docMkLst>
+      <pc:sldChg chg="addSp modSp mod">
+        <pc:chgData name="Audrey Bony" userId="8e02664a832a3c65" providerId="LiveId" clId="{A48DBDFD-A96C-4FE8-8A3F-B1457D794CCB}" dt="2020-11-19T17:58:17.342" v="1" actId="1076"/>
+        <pc:sldMkLst>
+          <pc:docMk/>
+          <pc:sldMk cId="2271858917" sldId="259"/>
+        </pc:sldMkLst>
+        <pc:picChg chg="add mod">
+          <ac:chgData name="Audrey Bony" userId="8e02664a832a3c65" providerId="LiveId" clId="{A48DBDFD-A96C-4FE8-8A3F-B1457D794CCB}" dt="2020-11-19T17:58:17.342" v="1" actId="1076"/>
+          <ac:picMkLst>
+            <pc:docMk/>
+            <pc:sldMk cId="2271858917" sldId="259"/>
+            <ac:picMk id="3" creationId="{04410755-B06B-4CEA-A890-CBFD0CECB8EA}"/>
+          </ac:picMkLst>
+        </pc:picChg>
+      </pc:sldChg>
+      <pc:sldChg chg="addSp delSp modSp new mod">
+        <pc:chgData name="Audrey Bony" userId="8e02664a832a3c65" providerId="LiveId" clId="{A48DBDFD-A96C-4FE8-8A3F-B1457D794CCB}" dt="2020-11-19T18:08:26.227" v="18" actId="1076"/>
+        <pc:sldMkLst>
+          <pc:docMk/>
+          <pc:sldMk cId="3925527581" sldId="260"/>
+        </pc:sldMkLst>
+        <pc:spChg chg="del">
+          <ac:chgData name="Audrey Bony" userId="8e02664a832a3c65" providerId="LiveId" clId="{A48DBDFD-A96C-4FE8-8A3F-B1457D794CCB}" dt="2020-11-19T17:58:23.344" v="3" actId="478"/>
+          <ac:spMkLst>
+            <pc:docMk/>
+            <pc:sldMk cId="3925527581" sldId="260"/>
+            <ac:spMk id="2" creationId="{793A38CC-A05A-47E1-AAE7-8CB47FB3B07C}"/>
+          </ac:spMkLst>
+        </pc:spChg>
+        <pc:spChg chg="del">
+          <ac:chgData name="Audrey Bony" userId="8e02664a832a3c65" providerId="LiveId" clId="{A48DBDFD-A96C-4FE8-8A3F-B1457D794CCB}" dt="2020-11-19T17:58:23.344" v="3" actId="478"/>
+          <ac:spMkLst>
+            <pc:docMk/>
+            <pc:sldMk cId="3925527581" sldId="260"/>
+            <ac:spMk id="3" creationId="{8B226604-C626-4F1F-9FC0-374F613E8AA0}"/>
+          </ac:spMkLst>
+        </pc:spChg>
+        <pc:spChg chg="add mod">
+          <ac:chgData name="Audrey Bony" userId="8e02664a832a3c65" providerId="LiveId" clId="{A48DBDFD-A96C-4FE8-8A3F-B1457D794CCB}" dt="2020-11-19T18:08:26.227" v="18" actId="1076"/>
+          <ac:spMkLst>
+            <pc:docMk/>
+            <pc:sldMk cId="3925527581" sldId="260"/>
+            <ac:spMk id="6" creationId="{F3A27A4C-5E1E-48FA-9700-B2F509FFD827}"/>
+          </ac:spMkLst>
+        </pc:spChg>
+        <pc:picChg chg="add mod">
+          <ac:chgData name="Audrey Bony" userId="8e02664a832a3c65" providerId="LiveId" clId="{A48DBDFD-A96C-4FE8-8A3F-B1457D794CCB}" dt="2020-11-19T18:08:03.555" v="15" actId="1076"/>
+          <ac:picMkLst>
+            <pc:docMk/>
+            <pc:sldMk cId="3925527581" sldId="260"/>
+            <ac:picMk id="5" creationId="{2DDC4363-B6C2-4E51-A5CA-7DED46B26F23}"/>
+          </ac:picMkLst>
+        </pc:picChg>
+      </pc:sldChg>
+      <pc:sldChg chg="addSp delSp modSp new mod">
+        <pc:chgData name="Audrey Bony" userId="8e02664a832a3c65" providerId="LiveId" clId="{A48DBDFD-A96C-4FE8-8A3F-B1457D794CCB}" dt="2020-11-19T17:58:38.171" v="9" actId="1076"/>
+        <pc:sldMkLst>
+          <pc:docMk/>
+          <pc:sldMk cId="3204334583" sldId="261"/>
+        </pc:sldMkLst>
+        <pc:spChg chg="del">
+          <ac:chgData name="Audrey Bony" userId="8e02664a832a3c65" providerId="LiveId" clId="{A48DBDFD-A96C-4FE8-8A3F-B1457D794CCB}" dt="2020-11-19T17:58:34.279" v="7" actId="478"/>
+          <ac:spMkLst>
+            <pc:docMk/>
+            <pc:sldMk cId="3204334583" sldId="261"/>
+            <ac:spMk id="2" creationId="{7F16DF1D-B1C3-4FB6-A541-678C0597BD03}"/>
+          </ac:spMkLst>
+        </pc:spChg>
+        <pc:spChg chg="del">
+          <ac:chgData name="Audrey Bony" userId="8e02664a832a3c65" providerId="LiveId" clId="{A48DBDFD-A96C-4FE8-8A3F-B1457D794CCB}" dt="2020-11-19T17:58:34.279" v="7" actId="478"/>
+          <ac:spMkLst>
+            <pc:docMk/>
+            <pc:sldMk cId="3204334583" sldId="261"/>
+            <ac:spMk id="3" creationId="{FF83B84D-F714-4A60-99F7-90C1195F6AEA}"/>
+          </ac:spMkLst>
+        </pc:spChg>
+        <pc:picChg chg="add mod">
+          <ac:chgData name="Audrey Bony" userId="8e02664a832a3c65" providerId="LiveId" clId="{A48DBDFD-A96C-4FE8-8A3F-B1457D794CCB}" dt="2020-11-19T17:58:38.171" v="9" actId="1076"/>
+          <ac:picMkLst>
+            <pc:docMk/>
+            <pc:sldMk cId="3204334583" sldId="261"/>
+            <ac:picMk id="5" creationId="{1D0F748A-E3F5-408C-A203-370F2AC3F94F}"/>
+          </ac:picMkLst>
+        </pc:picChg>
+      </pc:sldChg>
+      <pc:sldChg chg="addSp delSp modSp new mod">
+        <pc:chgData name="Audrey Bony" userId="8e02664a832a3c65" providerId="LiveId" clId="{A48DBDFD-A96C-4FE8-8A3F-B1457D794CCB}" dt="2020-11-19T18:40:41.626" v="34" actId="1076"/>
+        <pc:sldMkLst>
+          <pc:docMk/>
+          <pc:sldMk cId="3550929337" sldId="262"/>
+        </pc:sldMkLst>
+        <pc:spChg chg="del">
+          <ac:chgData name="Audrey Bony" userId="8e02664a832a3c65" providerId="LiveId" clId="{A48DBDFD-A96C-4FE8-8A3F-B1457D794CCB}" dt="2020-11-19T18:37:51.362" v="21" actId="478"/>
+          <ac:spMkLst>
+            <pc:docMk/>
+            <pc:sldMk cId="3550929337" sldId="262"/>
+            <ac:spMk id="2" creationId="{7961F763-1F5D-45A6-AE96-706D3E920857}"/>
+          </ac:spMkLst>
+        </pc:spChg>
+        <pc:spChg chg="del">
+          <ac:chgData name="Audrey Bony" userId="8e02664a832a3c65" providerId="LiveId" clId="{A48DBDFD-A96C-4FE8-8A3F-B1457D794CCB}" dt="2020-11-19T18:37:51.362" v="21" actId="478"/>
+          <ac:spMkLst>
+            <pc:docMk/>
+            <pc:sldMk cId="3550929337" sldId="262"/>
+            <ac:spMk id="3" creationId="{AA7BCDDD-0A7D-45F6-BD71-6A0A1057A92B}"/>
+          </ac:spMkLst>
+        </pc:spChg>
+        <pc:spChg chg="add mod">
+          <ac:chgData name="Audrey Bony" userId="8e02664a832a3c65" providerId="LiveId" clId="{A48DBDFD-A96C-4FE8-8A3F-B1457D794CCB}" dt="2020-11-19T18:40:25.475" v="30" actId="1076"/>
+          <ac:spMkLst>
+            <pc:docMk/>
+            <pc:sldMk cId="3550929337" sldId="262"/>
+            <ac:spMk id="6" creationId="{6F14C34A-3A8F-4E88-BDB5-97E044A19DDB}"/>
+          </ac:spMkLst>
+        </pc:spChg>
+        <pc:spChg chg="add mod">
+          <ac:chgData name="Audrey Bony" userId="8e02664a832a3c65" providerId="LiveId" clId="{A48DBDFD-A96C-4FE8-8A3F-B1457D794CCB}" dt="2020-11-19T18:40:41.626" v="34" actId="1076"/>
+          <ac:spMkLst>
+            <pc:docMk/>
+            <pc:sldMk cId="3550929337" sldId="262"/>
+            <ac:spMk id="7" creationId="{D8E51089-C271-47B9-8E12-890FA6B77AE7}"/>
+          </ac:spMkLst>
+        </pc:spChg>
+        <pc:picChg chg="add mod">
+          <ac:chgData name="Audrey Bony" userId="8e02664a832a3c65" providerId="LiveId" clId="{A48DBDFD-A96C-4FE8-8A3F-B1457D794CCB}" dt="2020-11-19T18:38:41.026" v="26"/>
+          <ac:picMkLst>
+            <pc:docMk/>
+            <pc:sldMk cId="3550929337" sldId="262"/>
+            <ac:picMk id="5" creationId="{112EC8DF-071D-426F-A2B1-959F88FF67E0}"/>
+          </ac:picMkLst>
+        </pc:picChg>
+      </pc:sldChg>
+      <pc:sldChg chg="addSp delSp modSp new mod">
+        <pc:chgData name="Audrey Bony" userId="8e02664a832a3c65" providerId="LiveId" clId="{A48DBDFD-A96C-4FE8-8A3F-B1457D794CCB}" dt="2020-11-19T18:43:30.293" v="46" actId="1076"/>
+        <pc:sldMkLst>
+          <pc:docMk/>
+          <pc:sldMk cId="1051590339" sldId="263"/>
+        </pc:sldMkLst>
+        <pc:spChg chg="del mod">
+          <ac:chgData name="Audrey Bony" userId="8e02664a832a3c65" providerId="LiveId" clId="{A48DBDFD-A96C-4FE8-8A3F-B1457D794CCB}" dt="2020-11-19T18:37:53.577" v="23" actId="478"/>
+          <ac:spMkLst>
+            <pc:docMk/>
+            <pc:sldMk cId="1051590339" sldId="263"/>
+            <ac:spMk id="2" creationId="{BBE64C4C-D3BB-479F-81EE-BA237D0555A0}"/>
+          </ac:spMkLst>
+        </pc:spChg>
+        <pc:spChg chg="del">
+          <ac:chgData name="Audrey Bony" userId="8e02664a832a3c65" providerId="LiveId" clId="{A48DBDFD-A96C-4FE8-8A3F-B1457D794CCB}" dt="2020-11-19T18:37:54.458" v="24" actId="478"/>
+          <ac:spMkLst>
+            <pc:docMk/>
+            <pc:sldMk cId="1051590339" sldId="263"/>
+            <ac:spMk id="3" creationId="{04FBB7DA-5DF1-450A-A9DF-25C545FC714B}"/>
+          </ac:spMkLst>
+        </pc:spChg>
+        <pc:spChg chg="add mod">
+          <ac:chgData name="Audrey Bony" userId="8e02664a832a3c65" providerId="LiveId" clId="{A48DBDFD-A96C-4FE8-8A3F-B1457D794CCB}" dt="2020-11-19T18:43:05.534" v="38" actId="1076"/>
+          <ac:spMkLst>
+            <pc:docMk/>
+            <pc:sldMk cId="1051590339" sldId="263"/>
+            <ac:spMk id="6" creationId="{A035B1BE-2D2C-4B1F-BC4E-F1857C0B2FEB}"/>
+          </ac:spMkLst>
+        </pc:spChg>
+        <pc:spChg chg="add mod">
+          <ac:chgData name="Audrey Bony" userId="8e02664a832a3c65" providerId="LiveId" clId="{A48DBDFD-A96C-4FE8-8A3F-B1457D794CCB}" dt="2020-11-19T18:43:20.159" v="42" actId="1076"/>
+          <ac:spMkLst>
+            <pc:docMk/>
+            <pc:sldMk cId="1051590339" sldId="263"/>
+            <ac:spMk id="7" creationId="{9F441B66-E545-429E-8897-EEFC44407354}"/>
+          </ac:spMkLst>
+        </pc:spChg>
+        <pc:spChg chg="add mod">
+          <ac:chgData name="Audrey Bony" userId="8e02664a832a3c65" providerId="LiveId" clId="{A48DBDFD-A96C-4FE8-8A3F-B1457D794CCB}" dt="2020-11-19T18:43:30.293" v="46" actId="1076"/>
+          <ac:spMkLst>
+            <pc:docMk/>
+            <pc:sldMk cId="1051590339" sldId="263"/>
+            <ac:spMk id="8" creationId="{C9E1784E-31AC-4EAD-84CE-78585520CFC6}"/>
+          </ac:spMkLst>
+        </pc:spChg>
+        <pc:picChg chg="add mod">
+          <ac:chgData name="Audrey Bony" userId="8e02664a832a3c65" providerId="LiveId" clId="{A48DBDFD-A96C-4FE8-8A3F-B1457D794CCB}" dt="2020-11-19T18:38:04.880" v="25"/>
+          <ac:picMkLst>
+            <pc:docMk/>
+            <pc:sldMk cId="1051590339" sldId="263"/>
+            <ac:picMk id="5" creationId="{8EFBF500-AB0A-4B2C-B7F2-B45579B8F90C}"/>
+          </ac:picMkLst>
+        </pc:picChg>
+      </pc:sldChg>
+    </pc:docChg>
+  </pc:docChgLst>
+</pc:chgInfo>
 </file>
 
 <file path=ppt/slideLayouts/slideLayout1.xml><?xml version="1.0" encoding="utf-8"?>
@@ -257,7 +475,7 @@
           <a:p>
             <a:fld id="{ACB4BE46-2EA6-47F2-8D61-EF93376FDBA2}" type="datetimeFigureOut">
               <a:rPr lang="fr-FR" smtClean="0"/>
-              <a:t>14/11/2020</a:t>
+              <a:t>19/11/2020</a:t>
             </a:fld>
             <a:endParaRPr lang="fr-FR"/>
           </a:p>
@@ -455,7 +673,7 @@
           <a:p>
             <a:fld id="{ACB4BE46-2EA6-47F2-8D61-EF93376FDBA2}" type="datetimeFigureOut">
               <a:rPr lang="fr-FR" smtClean="0"/>
-              <a:t>14/11/2020</a:t>
+              <a:t>19/11/2020</a:t>
             </a:fld>
             <a:endParaRPr lang="fr-FR"/>
           </a:p>
@@ -663,7 +881,7 @@
           <a:p>
             <a:fld id="{ACB4BE46-2EA6-47F2-8D61-EF93376FDBA2}" type="datetimeFigureOut">
               <a:rPr lang="fr-FR" smtClean="0"/>
-              <a:t>14/11/2020</a:t>
+              <a:t>19/11/2020</a:t>
             </a:fld>
             <a:endParaRPr lang="fr-FR"/>
           </a:p>
@@ -861,7 +1079,7 @@
           <a:p>
             <a:fld id="{ACB4BE46-2EA6-47F2-8D61-EF93376FDBA2}" type="datetimeFigureOut">
               <a:rPr lang="fr-FR" smtClean="0"/>
-              <a:t>14/11/2020</a:t>
+              <a:t>19/11/2020</a:t>
             </a:fld>
             <a:endParaRPr lang="fr-FR"/>
           </a:p>
@@ -1136,7 +1354,7 @@
           <a:p>
             <a:fld id="{ACB4BE46-2EA6-47F2-8D61-EF93376FDBA2}" type="datetimeFigureOut">
               <a:rPr lang="fr-FR" smtClean="0"/>
-              <a:t>14/11/2020</a:t>
+              <a:t>19/11/2020</a:t>
             </a:fld>
             <a:endParaRPr lang="fr-FR"/>
           </a:p>
@@ -1401,7 +1619,7 @@
           <a:p>
             <a:fld id="{ACB4BE46-2EA6-47F2-8D61-EF93376FDBA2}" type="datetimeFigureOut">
               <a:rPr lang="fr-FR" smtClean="0"/>
-              <a:t>14/11/2020</a:t>
+              <a:t>19/11/2020</a:t>
             </a:fld>
             <a:endParaRPr lang="fr-FR"/>
           </a:p>
@@ -1813,7 +2031,7 @@
           <a:p>
             <a:fld id="{ACB4BE46-2EA6-47F2-8D61-EF93376FDBA2}" type="datetimeFigureOut">
               <a:rPr lang="fr-FR" smtClean="0"/>
-              <a:t>14/11/2020</a:t>
+              <a:t>19/11/2020</a:t>
             </a:fld>
             <a:endParaRPr lang="fr-FR"/>
           </a:p>
@@ -1954,7 +2172,7 @@
           <a:p>
             <a:fld id="{ACB4BE46-2EA6-47F2-8D61-EF93376FDBA2}" type="datetimeFigureOut">
               <a:rPr lang="fr-FR" smtClean="0"/>
-              <a:t>14/11/2020</a:t>
+              <a:t>19/11/2020</a:t>
             </a:fld>
             <a:endParaRPr lang="fr-FR"/>
           </a:p>
@@ -2067,7 +2285,7 @@
           <a:p>
             <a:fld id="{ACB4BE46-2EA6-47F2-8D61-EF93376FDBA2}" type="datetimeFigureOut">
               <a:rPr lang="fr-FR" smtClean="0"/>
-              <a:t>14/11/2020</a:t>
+              <a:t>19/11/2020</a:t>
             </a:fld>
             <a:endParaRPr lang="fr-FR"/>
           </a:p>
@@ -2378,7 +2596,7 @@
           <a:p>
             <a:fld id="{ACB4BE46-2EA6-47F2-8D61-EF93376FDBA2}" type="datetimeFigureOut">
               <a:rPr lang="fr-FR" smtClean="0"/>
-              <a:t>14/11/2020</a:t>
+              <a:t>19/11/2020</a:t>
             </a:fld>
             <a:endParaRPr lang="fr-FR"/>
           </a:p>
@@ -2666,7 +2884,7 @@
           <a:p>
             <a:fld id="{ACB4BE46-2EA6-47F2-8D61-EF93376FDBA2}" type="datetimeFigureOut">
               <a:rPr lang="fr-FR" smtClean="0"/>
-              <a:t>14/11/2020</a:t>
+              <a:t>19/11/2020</a:t>
             </a:fld>
             <a:endParaRPr lang="fr-FR"/>
           </a:p>
@@ -2907,7 +3125,7 @@
           <a:p>
             <a:fld id="{ACB4BE46-2EA6-47F2-8D61-EF93376FDBA2}" type="datetimeFigureOut">
               <a:rPr lang="fr-FR" smtClean="0"/>
-              <a:t>14/11/2020</a:t>
+              <a:t>19/11/2020</a:t>
             </a:fld>
             <a:endParaRPr lang="fr-FR"/>
           </a:p>
@@ -4358,10 +4576,544 @@
           <a:chExt cx="0" cy="0"/>
         </a:xfrm>
       </p:grpSpPr>
+      <p:pic>
+        <p:nvPicPr>
+          <p:cNvPr id="3" name="Image 2">
+            <a:extLst>
+              <a:ext uri="{FF2B5EF4-FFF2-40B4-BE49-F238E27FC236}">
+                <a16:creationId xmlns:a16="http://schemas.microsoft.com/office/drawing/2014/main" id="{04410755-B06B-4CEA-A890-CBFD0CECB8EA}"/>
+              </a:ext>
+            </a:extLst>
+          </p:cNvPr>
+          <p:cNvPicPr>
+            <a:picLocks noChangeAspect="1"/>
+          </p:cNvPicPr>
+          <p:nvPr/>
+        </p:nvPicPr>
+        <p:blipFill>
+          <a:blip r:embed="rId2">
+            <a:extLst>
+              <a:ext uri="{28A0092B-C50C-407E-A947-70E740481C1C}">
+                <a14:useLocalDpi xmlns:a14="http://schemas.microsoft.com/office/drawing/2010/main" val="0"/>
+              </a:ext>
+            </a:extLst>
+          </a:blip>
+          <a:stretch>
+            <a:fillRect/>
+          </a:stretch>
+        </p:blipFill>
+        <p:spPr>
+          <a:xfrm>
+            <a:off x="0" y="0"/>
+            <a:ext cx="12192000" cy="4588178"/>
+          </a:xfrm>
+          <a:prstGeom prst="rect">
+            <a:avLst/>
+          </a:prstGeom>
+        </p:spPr>
+      </p:pic>
     </p:spTree>
     <p:extLst>
       <p:ext uri="{BB962C8B-B14F-4D97-AF65-F5344CB8AC3E}">
         <p14:creationId xmlns:p14="http://schemas.microsoft.com/office/powerpoint/2010/main" val="2271858917"/>
+      </p:ext>
+    </p:extLst>
+  </p:cSld>
+  <p:clrMapOvr>
+    <a:masterClrMapping/>
+  </p:clrMapOvr>
+</p:sld>
+</file>
+
+<file path=ppt/slides/slide5.xml><?xml version="1.0" encoding="utf-8"?>
+<p:sld xmlns:a="http://schemas.openxmlformats.org/drawingml/2006/main" xmlns:r="http://schemas.openxmlformats.org/officeDocument/2006/relationships" xmlns:p="http://schemas.openxmlformats.org/presentationml/2006/main">
+  <p:cSld>
+    <p:spTree>
+      <p:nvGrpSpPr>
+        <p:cNvPr id="1" name=""/>
+        <p:cNvGrpSpPr/>
+        <p:nvPr/>
+      </p:nvGrpSpPr>
+      <p:grpSpPr>
+        <a:xfrm>
+          <a:off x="0" y="0"/>
+          <a:ext cx="0" cy="0"/>
+          <a:chOff x="0" y="0"/>
+          <a:chExt cx="0" cy="0"/>
+        </a:xfrm>
+      </p:grpSpPr>
+      <p:pic>
+        <p:nvPicPr>
+          <p:cNvPr id="5" name="Image 4">
+            <a:extLst>
+              <a:ext uri="{FF2B5EF4-FFF2-40B4-BE49-F238E27FC236}">
+                <a16:creationId xmlns:a16="http://schemas.microsoft.com/office/drawing/2014/main" id="{2DDC4363-B6C2-4E51-A5CA-7DED46B26F23}"/>
+              </a:ext>
+            </a:extLst>
+          </p:cNvPr>
+          <p:cNvPicPr>
+            <a:picLocks noChangeAspect="1"/>
+          </p:cNvPicPr>
+          <p:nvPr/>
+        </p:nvPicPr>
+        <p:blipFill>
+          <a:blip r:embed="rId2">
+            <a:extLst>
+              <a:ext uri="{28A0092B-C50C-407E-A947-70E740481C1C}">
+                <a14:useLocalDpi xmlns:a14="http://schemas.microsoft.com/office/drawing/2010/main" val="0"/>
+              </a:ext>
+            </a:extLst>
+          </a:blip>
+          <a:stretch>
+            <a:fillRect/>
+          </a:stretch>
+        </p:blipFill>
+        <p:spPr>
+          <a:xfrm>
+            <a:off x="0" y="202174"/>
+            <a:ext cx="12192000" cy="2712163"/>
+          </a:xfrm>
+          <a:prstGeom prst="rect">
+            <a:avLst/>
+          </a:prstGeom>
+        </p:spPr>
+      </p:pic>
+      <p:sp>
+        <p:nvSpPr>
+          <p:cNvPr id="6" name="ZoneTexte 5">
+            <a:extLst>
+              <a:ext uri="{FF2B5EF4-FFF2-40B4-BE49-F238E27FC236}">
+                <a16:creationId xmlns:a16="http://schemas.microsoft.com/office/drawing/2014/main" id="{F3A27A4C-5E1E-48FA-9700-B2F509FFD827}"/>
+              </a:ext>
+            </a:extLst>
+          </p:cNvPr>
+          <p:cNvSpPr txBox="1"/>
+          <p:nvPr/>
+        </p:nvSpPr>
+        <p:spPr>
+          <a:xfrm>
+            <a:off x="8498047" y="461393"/>
+            <a:ext cx="352337" cy="400110"/>
+          </a:xfrm>
+          <a:prstGeom prst="rect">
+            <a:avLst/>
+          </a:prstGeom>
+          <a:noFill/>
+        </p:spPr>
+        <p:txBody>
+          <a:bodyPr wrap="square" rtlCol="0">
+            <a:spAutoFit/>
+          </a:bodyPr>
+          <a:lstStyle/>
+          <a:p>
+            <a:r>
+              <a:rPr lang="fr-FR" sz="2000" dirty="0">
+                <a:solidFill>
+                  <a:srgbClr val="FF0000"/>
+                </a:solidFill>
+              </a:rPr>
+              <a:t>1</a:t>
+            </a:r>
+          </a:p>
+        </p:txBody>
+      </p:sp>
+    </p:spTree>
+    <p:extLst>
+      <p:ext uri="{BB962C8B-B14F-4D97-AF65-F5344CB8AC3E}">
+        <p14:creationId xmlns:p14="http://schemas.microsoft.com/office/powerpoint/2010/main" val="3925527581"/>
+      </p:ext>
+    </p:extLst>
+  </p:cSld>
+  <p:clrMapOvr>
+    <a:masterClrMapping/>
+  </p:clrMapOvr>
+</p:sld>
+</file>
+
+<file path=ppt/slides/slide6.xml><?xml version="1.0" encoding="utf-8"?>
+<p:sld xmlns:a="http://schemas.openxmlformats.org/drawingml/2006/main" xmlns:r="http://schemas.openxmlformats.org/officeDocument/2006/relationships" xmlns:p="http://schemas.openxmlformats.org/presentationml/2006/main">
+  <p:cSld>
+    <p:spTree>
+      <p:nvGrpSpPr>
+        <p:cNvPr id="1" name=""/>
+        <p:cNvGrpSpPr/>
+        <p:nvPr/>
+      </p:nvGrpSpPr>
+      <p:grpSpPr>
+        <a:xfrm>
+          <a:off x="0" y="0"/>
+          <a:ext cx="0" cy="0"/>
+          <a:chOff x="0" y="0"/>
+          <a:chExt cx="0" cy="0"/>
+        </a:xfrm>
+      </p:grpSpPr>
+      <p:pic>
+        <p:nvPicPr>
+          <p:cNvPr id="5" name="Image 4">
+            <a:extLst>
+              <a:ext uri="{FF2B5EF4-FFF2-40B4-BE49-F238E27FC236}">
+                <a16:creationId xmlns:a16="http://schemas.microsoft.com/office/drawing/2014/main" id="{1D0F748A-E3F5-408C-A203-370F2AC3F94F}"/>
+              </a:ext>
+            </a:extLst>
+          </p:cNvPr>
+          <p:cNvPicPr>
+            <a:picLocks noChangeAspect="1"/>
+          </p:cNvPicPr>
+          <p:nvPr/>
+        </p:nvPicPr>
+        <p:blipFill>
+          <a:blip r:embed="rId2">
+            <a:extLst>
+              <a:ext uri="{28A0092B-C50C-407E-A947-70E740481C1C}">
+                <a14:useLocalDpi xmlns:a14="http://schemas.microsoft.com/office/drawing/2010/main" val="0"/>
+              </a:ext>
+            </a:extLst>
+          </a:blip>
+          <a:stretch>
+            <a:fillRect/>
+          </a:stretch>
+        </p:blipFill>
+        <p:spPr>
+          <a:xfrm>
+            <a:off x="0" y="440699"/>
+            <a:ext cx="12192000" cy="4315581"/>
+          </a:xfrm>
+          <a:prstGeom prst="rect">
+            <a:avLst/>
+          </a:prstGeom>
+        </p:spPr>
+      </p:pic>
+    </p:spTree>
+    <p:extLst>
+      <p:ext uri="{BB962C8B-B14F-4D97-AF65-F5344CB8AC3E}">
+        <p14:creationId xmlns:p14="http://schemas.microsoft.com/office/powerpoint/2010/main" val="3204334583"/>
+      </p:ext>
+    </p:extLst>
+  </p:cSld>
+  <p:clrMapOvr>
+    <a:masterClrMapping/>
+  </p:clrMapOvr>
+</p:sld>
+</file>
+
+<file path=ppt/slides/slide7.xml><?xml version="1.0" encoding="utf-8"?>
+<p:sld xmlns:a="http://schemas.openxmlformats.org/drawingml/2006/main" xmlns:r="http://schemas.openxmlformats.org/officeDocument/2006/relationships" xmlns:p="http://schemas.openxmlformats.org/presentationml/2006/main">
+  <p:cSld>
+    <p:spTree>
+      <p:nvGrpSpPr>
+        <p:cNvPr id="1" name=""/>
+        <p:cNvGrpSpPr/>
+        <p:nvPr/>
+      </p:nvGrpSpPr>
+      <p:grpSpPr>
+        <a:xfrm>
+          <a:off x="0" y="0"/>
+          <a:ext cx="0" cy="0"/>
+          <a:chOff x="0" y="0"/>
+          <a:chExt cx="0" cy="0"/>
+        </a:xfrm>
+      </p:grpSpPr>
+      <p:pic>
+        <p:nvPicPr>
+          <p:cNvPr id="5" name="Image 4">
+            <a:extLst>
+              <a:ext uri="{FF2B5EF4-FFF2-40B4-BE49-F238E27FC236}">
+                <a16:creationId xmlns:a16="http://schemas.microsoft.com/office/drawing/2014/main" id="{112EC8DF-071D-426F-A2B1-959F88FF67E0}"/>
+              </a:ext>
+            </a:extLst>
+          </p:cNvPr>
+          <p:cNvPicPr>
+            <a:picLocks noChangeAspect="1"/>
+          </p:cNvPicPr>
+          <p:nvPr/>
+        </p:nvPicPr>
+        <p:blipFill>
+          <a:blip r:embed="rId2">
+            <a:extLst>
+              <a:ext uri="{28A0092B-C50C-407E-A947-70E740481C1C}">
+                <a14:useLocalDpi xmlns:a14="http://schemas.microsoft.com/office/drawing/2010/main" val="0"/>
+              </a:ext>
+            </a:extLst>
+          </a:blip>
+          <a:stretch>
+            <a:fillRect/>
+          </a:stretch>
+        </p:blipFill>
+        <p:spPr>
+          <a:xfrm>
+            <a:off x="720090" y="163830"/>
+            <a:ext cx="10751820" cy="6530340"/>
+          </a:xfrm>
+          <a:prstGeom prst="rect">
+            <a:avLst/>
+          </a:prstGeom>
+        </p:spPr>
+      </p:pic>
+      <p:sp>
+        <p:nvSpPr>
+          <p:cNvPr id="6" name="ZoneTexte 5">
+            <a:extLst>
+              <a:ext uri="{FF2B5EF4-FFF2-40B4-BE49-F238E27FC236}">
+                <a16:creationId xmlns:a16="http://schemas.microsoft.com/office/drawing/2014/main" id="{6F14C34A-3A8F-4E88-BDB5-97E044A19DDB}"/>
+              </a:ext>
+            </a:extLst>
+          </p:cNvPr>
+          <p:cNvSpPr txBox="1"/>
+          <p:nvPr/>
+        </p:nvSpPr>
+        <p:spPr>
+          <a:xfrm>
+            <a:off x="9395927" y="434646"/>
+            <a:ext cx="429208" cy="369332"/>
+          </a:xfrm>
+          <a:prstGeom prst="rect">
+            <a:avLst/>
+          </a:prstGeom>
+          <a:noFill/>
+        </p:spPr>
+        <p:txBody>
+          <a:bodyPr wrap="square" rtlCol="0">
+            <a:spAutoFit/>
+          </a:bodyPr>
+          <a:lstStyle/>
+          <a:p>
+            <a:r>
+              <a:rPr lang="fr-FR" dirty="0">
+                <a:solidFill>
+                  <a:srgbClr val="FF0000"/>
+                </a:solidFill>
+              </a:rPr>
+              <a:t>1</a:t>
+            </a:r>
+          </a:p>
+        </p:txBody>
+      </p:sp>
+      <p:sp>
+        <p:nvSpPr>
+          <p:cNvPr id="7" name="ZoneTexte 6">
+            <a:extLst>
+              <a:ext uri="{FF2B5EF4-FFF2-40B4-BE49-F238E27FC236}">
+                <a16:creationId xmlns:a16="http://schemas.microsoft.com/office/drawing/2014/main" id="{D8E51089-C271-47B9-8E12-890FA6B77AE7}"/>
+              </a:ext>
+            </a:extLst>
+          </p:cNvPr>
+          <p:cNvSpPr txBox="1"/>
+          <p:nvPr/>
+        </p:nvSpPr>
+        <p:spPr>
+          <a:xfrm>
+            <a:off x="9818373" y="434646"/>
+            <a:ext cx="208098" cy="369332"/>
+          </a:xfrm>
+          <a:prstGeom prst="rect">
+            <a:avLst/>
+          </a:prstGeom>
+          <a:noFill/>
+        </p:spPr>
+        <p:txBody>
+          <a:bodyPr wrap="square" rtlCol="0">
+            <a:spAutoFit/>
+          </a:bodyPr>
+          <a:lstStyle/>
+          <a:p>
+            <a:r>
+              <a:rPr lang="fr-FR" dirty="0">
+                <a:solidFill>
+                  <a:srgbClr val="FF0000"/>
+                </a:solidFill>
+              </a:rPr>
+              <a:t>2</a:t>
+            </a:r>
+          </a:p>
+        </p:txBody>
+      </p:sp>
+    </p:spTree>
+    <p:extLst>
+      <p:ext uri="{BB962C8B-B14F-4D97-AF65-F5344CB8AC3E}">
+        <p14:creationId xmlns:p14="http://schemas.microsoft.com/office/powerpoint/2010/main" val="3550929337"/>
+      </p:ext>
+    </p:extLst>
+  </p:cSld>
+  <p:clrMapOvr>
+    <a:masterClrMapping/>
+  </p:clrMapOvr>
+</p:sld>
+</file>
+
+<file path=ppt/slides/slide8.xml><?xml version="1.0" encoding="utf-8"?>
+<p:sld xmlns:a="http://schemas.openxmlformats.org/drawingml/2006/main" xmlns:r="http://schemas.openxmlformats.org/officeDocument/2006/relationships" xmlns:p="http://schemas.openxmlformats.org/presentationml/2006/main">
+  <p:cSld>
+    <p:spTree>
+      <p:nvGrpSpPr>
+        <p:cNvPr id="1" name=""/>
+        <p:cNvGrpSpPr/>
+        <p:nvPr/>
+      </p:nvGrpSpPr>
+      <p:grpSpPr>
+        <a:xfrm>
+          <a:off x="0" y="0"/>
+          <a:ext cx="0" cy="0"/>
+          <a:chOff x="0" y="0"/>
+          <a:chExt cx="0" cy="0"/>
+        </a:xfrm>
+      </p:grpSpPr>
+      <p:pic>
+        <p:nvPicPr>
+          <p:cNvPr id="5" name="Image 4">
+            <a:extLst>
+              <a:ext uri="{FF2B5EF4-FFF2-40B4-BE49-F238E27FC236}">
+                <a16:creationId xmlns:a16="http://schemas.microsoft.com/office/drawing/2014/main" id="{8EFBF500-AB0A-4B2C-B7F2-B45579B8F90C}"/>
+              </a:ext>
+            </a:extLst>
+          </p:cNvPr>
+          <p:cNvPicPr>
+            <a:picLocks noChangeAspect="1"/>
+          </p:cNvPicPr>
+          <p:nvPr/>
+        </p:nvPicPr>
+        <p:blipFill>
+          <a:blip r:embed="rId2">
+            <a:extLst>
+              <a:ext uri="{28A0092B-C50C-407E-A947-70E740481C1C}">
+                <a14:useLocalDpi xmlns:a14="http://schemas.microsoft.com/office/drawing/2010/main" val="0"/>
+              </a:ext>
+            </a:extLst>
+          </a:blip>
+          <a:stretch>
+            <a:fillRect/>
+          </a:stretch>
+        </p:blipFill>
+        <p:spPr>
+          <a:xfrm>
+            <a:off x="0" y="439490"/>
+            <a:ext cx="12192000" cy="5979019"/>
+          </a:xfrm>
+          <a:prstGeom prst="rect">
+            <a:avLst/>
+          </a:prstGeom>
+        </p:spPr>
+      </p:pic>
+      <p:sp>
+        <p:nvSpPr>
+          <p:cNvPr id="6" name="ZoneTexte 5">
+            <a:extLst>
+              <a:ext uri="{FF2B5EF4-FFF2-40B4-BE49-F238E27FC236}">
+                <a16:creationId xmlns:a16="http://schemas.microsoft.com/office/drawing/2014/main" id="{A035B1BE-2D2C-4B1F-BC4E-F1857C0B2FEB}"/>
+              </a:ext>
+            </a:extLst>
+          </p:cNvPr>
+          <p:cNvSpPr txBox="1"/>
+          <p:nvPr/>
+        </p:nvSpPr>
+        <p:spPr>
+          <a:xfrm>
+            <a:off x="6568580" y="3363877"/>
+            <a:ext cx="696286" cy="369332"/>
+          </a:xfrm>
+          <a:prstGeom prst="rect">
+            <a:avLst/>
+          </a:prstGeom>
+          <a:noFill/>
+        </p:spPr>
+        <p:txBody>
+          <a:bodyPr wrap="square" rtlCol="0">
+            <a:spAutoFit/>
+          </a:bodyPr>
+          <a:lstStyle/>
+          <a:p>
+            <a:r>
+              <a:rPr lang="fr-FR" dirty="0">
+                <a:solidFill>
+                  <a:srgbClr val="FF0000"/>
+                </a:solidFill>
+              </a:rPr>
+              <a:t>3</a:t>
+            </a:r>
+          </a:p>
+        </p:txBody>
+      </p:sp>
+      <p:sp>
+        <p:nvSpPr>
+          <p:cNvPr id="7" name="ZoneTexte 6">
+            <a:extLst>
+              <a:ext uri="{FF2B5EF4-FFF2-40B4-BE49-F238E27FC236}">
+                <a16:creationId xmlns:a16="http://schemas.microsoft.com/office/drawing/2014/main" id="{9F441B66-E545-429E-8897-EEFC44407354}"/>
+              </a:ext>
+            </a:extLst>
+          </p:cNvPr>
+          <p:cNvSpPr txBox="1"/>
+          <p:nvPr/>
+        </p:nvSpPr>
+        <p:spPr>
+          <a:xfrm>
+            <a:off x="7583648" y="3244333"/>
+            <a:ext cx="503339" cy="369332"/>
+          </a:xfrm>
+          <a:prstGeom prst="rect">
+            <a:avLst/>
+          </a:prstGeom>
+          <a:noFill/>
+        </p:spPr>
+        <p:txBody>
+          <a:bodyPr wrap="square" rtlCol="0">
+            <a:spAutoFit/>
+          </a:bodyPr>
+          <a:lstStyle/>
+          <a:p>
+            <a:r>
+              <a:rPr lang="fr-FR" dirty="0">
+                <a:solidFill>
+                  <a:srgbClr val="FF0000"/>
+                </a:solidFill>
+              </a:rPr>
+              <a:t>4</a:t>
+            </a:r>
+          </a:p>
+        </p:txBody>
+      </p:sp>
+      <p:sp>
+        <p:nvSpPr>
+          <p:cNvPr id="8" name="ZoneTexte 7">
+            <a:extLst>
+              <a:ext uri="{FF2B5EF4-FFF2-40B4-BE49-F238E27FC236}">
+                <a16:creationId xmlns:a16="http://schemas.microsoft.com/office/drawing/2014/main" id="{C9E1784E-31AC-4EAD-84CE-78585520CFC6}"/>
+              </a:ext>
+            </a:extLst>
+          </p:cNvPr>
+          <p:cNvSpPr txBox="1"/>
+          <p:nvPr/>
+        </p:nvSpPr>
+        <p:spPr>
+          <a:xfrm>
+            <a:off x="6837028" y="2600479"/>
+            <a:ext cx="276836" cy="369332"/>
+          </a:xfrm>
+          <a:prstGeom prst="rect">
+            <a:avLst/>
+          </a:prstGeom>
+          <a:noFill/>
+        </p:spPr>
+        <p:txBody>
+          <a:bodyPr wrap="square" rtlCol="0">
+            <a:spAutoFit/>
+          </a:bodyPr>
+          <a:lstStyle/>
+          <a:p>
+            <a:r>
+              <a:rPr lang="fr-FR" dirty="0">
+                <a:solidFill>
+                  <a:srgbClr val="FF0000"/>
+                </a:solidFill>
+              </a:rPr>
+              <a:t>5</a:t>
+            </a:r>
+          </a:p>
+        </p:txBody>
+      </p:sp>
+    </p:spTree>
+    <p:extLst>
+      <p:ext uri="{BB962C8B-B14F-4D97-AF65-F5344CB8AC3E}">
+        <p14:creationId xmlns:p14="http://schemas.microsoft.com/office/powerpoint/2010/main" val="1051590339"/>
       </p:ext>
     </p:extLst>
   </p:cSld>
